--- a/lectures/01 - The REST Style.pptx
+++ b/lectures/01 - The REST Style.pptx
@@ -9,11 +9,11 @@
   </p:notesMasterIdLst>
   <p:sldIdLst>
     <p:sldId id="320" r:id="rId2"/>
-    <p:sldId id="261" r:id="rId3"/>
-    <p:sldId id="262" r:id="rId4"/>
-    <p:sldId id="264" r:id="rId5"/>
-    <p:sldId id="263" r:id="rId6"/>
-    <p:sldId id="322" r:id="rId7"/>
+    <p:sldId id="322" r:id="rId3"/>
+    <p:sldId id="261" r:id="rId4"/>
+    <p:sldId id="262" r:id="rId5"/>
+    <p:sldId id="264" r:id="rId6"/>
+    <p:sldId id="263" r:id="rId7"/>
     <p:sldId id="323" r:id="rId8"/>
     <p:sldId id="324" r:id="rId9"/>
   </p:sldIdLst>
@@ -120,6 +120,14 @@
     </p:ext>
   </p:extLst>
 </p:presentation>
+</file>
+
+<file path=ppt/revisionInfo.xml><?xml version="1.0" encoding="utf-8"?>
+<p1510:revInfo xmlns:a="http://schemas.openxmlformats.org/drawingml/2006/main" xmlns:r="http://schemas.openxmlformats.org/officeDocument/2006/relationships" xmlns:p1510="http://schemas.microsoft.com/office/powerpoint/2015/10/main">
+  <p1510:revLst>
+    <p1510:client id="{0B5DF478-8688-9049-A21D-D9722B8F97E4}" v="2" dt="2020-01-10T01:50:12.349"/>
+  </p1510:revLst>
+</p1510:revInfo>
 </file>
 
 <file path=ppt/changesInfos/changesInfo1.xml><?xml version="1.0" encoding="utf-8"?>
@@ -280,11 +288,26 @@
   </pc:docChgLst>
   <pc:docChgLst>
     <pc:chgData name="Michaeljon Miller" userId="c575fe5cddd8b8cf" providerId="LiveId" clId="{0B5DF478-8688-9049-A21D-D9722B8F97E4}"/>
-    <pc:docChg chg="delSld modSld">
-      <pc:chgData name="Michaeljon Miller" userId="c575fe5cddd8b8cf" providerId="LiveId" clId="{0B5DF478-8688-9049-A21D-D9722B8F97E4}" dt="2019-12-31T17:24:46.850" v="51" actId="2696"/>
+    <pc:docChg chg="custSel addSld delSld modSld">
+      <pc:chgData name="Michaeljon Miller" userId="c575fe5cddd8b8cf" providerId="LiveId" clId="{0B5DF478-8688-9049-A21D-D9722B8F97E4}" dt="2020-01-10T01:50:12.346" v="56"/>
       <pc:docMkLst>
         <pc:docMk/>
       </pc:docMkLst>
+      <pc:sldChg chg="modSp">
+        <pc:chgData name="Michaeljon Miller" userId="c575fe5cddd8b8cf" providerId="LiveId" clId="{0B5DF478-8688-9049-A21D-D9722B8F97E4}" dt="2020-01-09T23:09:06.737" v="54"/>
+        <pc:sldMkLst>
+          <pc:docMk/>
+          <pc:sldMk cId="2596698127" sldId="263"/>
+        </pc:sldMkLst>
+        <pc:spChg chg="mod">
+          <ac:chgData name="Michaeljon Miller" userId="c575fe5cddd8b8cf" providerId="LiveId" clId="{0B5DF478-8688-9049-A21D-D9722B8F97E4}" dt="2020-01-09T23:09:06.737" v="54"/>
+          <ac:spMkLst>
+            <pc:docMk/>
+            <pc:sldMk cId="2596698127" sldId="263"/>
+            <ac:spMk id="3" creationId="{00000000-0000-0000-0000-000000000000}"/>
+          </ac:spMkLst>
+        </pc:spChg>
+      </pc:sldChg>
       <pc:sldChg chg="del">
         <pc:chgData name="Michaeljon Miller" userId="c575fe5cddd8b8cf" providerId="LiveId" clId="{0B5DF478-8688-9049-A21D-D9722B8F97E4}" dt="2019-12-31T17:24:46.802" v="40" actId="2696"/>
         <pc:sldMkLst>
@@ -453,6 +476,20 @@
         <pc:sldMkLst>
           <pc:docMk/>
           <pc:sldMk cId="1547595780" sldId="321"/>
+        </pc:sldMkLst>
+      </pc:sldChg>
+      <pc:sldChg chg="add">
+        <pc:chgData name="Michaeljon Miller" userId="c575fe5cddd8b8cf" providerId="LiveId" clId="{0B5DF478-8688-9049-A21D-D9722B8F97E4}" dt="2020-01-10T01:50:12.346" v="56"/>
+        <pc:sldMkLst>
+          <pc:docMk/>
+          <pc:sldMk cId="739034310" sldId="322"/>
+        </pc:sldMkLst>
+      </pc:sldChg>
+      <pc:sldChg chg="del">
+        <pc:chgData name="Michaeljon Miller" userId="c575fe5cddd8b8cf" providerId="LiveId" clId="{0B5DF478-8688-9049-A21D-D9722B8F97E4}" dt="2020-01-10T01:50:06.945" v="55" actId="2696"/>
+        <pc:sldMkLst>
+          <pc:docMk/>
+          <pc:sldMk cId="1922912892" sldId="322"/>
         </pc:sldMkLst>
       </pc:sldChg>
     </pc:docChg>
@@ -723,7 +760,7 @@
           <a:p>
             <a:fld id="{B30C5654-8255-4741-B5E4-F40A45C3546B}" type="datetimeFigureOut">
               <a:rPr lang="en-US" smtClean="0"/>
-              <a:t>12/31/19</a:t>
+              <a:t>1/9/20</a:t>
             </a:fld>
             <a:endParaRPr lang="en-US"/>
           </a:p>
@@ -1156,7 +1193,7 @@
           <a:p>
             <a:fld id="{E58294B0-43FA-4697-A94A-C7D8A3CEE26B}" type="slidenum">
               <a:rPr lang="en-US" smtClean="0"/>
-              <a:t>3</a:t>
+              <a:t>4</a:t>
             </a:fld>
             <a:endParaRPr lang="en-US"/>
           </a:p>
@@ -1335,7 +1372,7 @@
           <a:p>
             <a:fld id="{E58294B0-43FA-4697-A94A-C7D8A3CEE26B}" type="slidenum">
               <a:rPr lang="en-US" smtClean="0"/>
-              <a:t>4</a:t>
+              <a:t>5</a:t>
             </a:fld>
             <a:endParaRPr lang="en-US"/>
           </a:p>
@@ -1618,7 +1655,7 @@
           <a:p>
             <a:fld id="{E58294B0-43FA-4697-A94A-C7D8A3CEE26B}" type="slidenum">
               <a:rPr lang="en-US" smtClean="0"/>
-              <a:t>5</a:t>
+              <a:t>6</a:t>
             </a:fld>
             <a:endParaRPr lang="en-US"/>
           </a:p>
@@ -1766,7 +1803,7 @@
           <a:p>
             <a:fld id="{1E1327A7-1338-42E3-A376-4DBDA53A9DB0}" type="datetimeFigureOut">
               <a:rPr lang="en-US" smtClean="0"/>
-              <a:t>12/31/19</a:t>
+              <a:t>1/9/20</a:t>
             </a:fld>
             <a:endParaRPr lang="en-US"/>
           </a:p>
@@ -1934,7 +1971,7 @@
           <a:p>
             <a:fld id="{1E1327A7-1338-42E3-A376-4DBDA53A9DB0}" type="datetimeFigureOut">
               <a:rPr lang="en-US" smtClean="0"/>
-              <a:t>12/31/19</a:t>
+              <a:t>1/9/20</a:t>
             </a:fld>
             <a:endParaRPr lang="en-US"/>
           </a:p>
@@ -2112,7 +2149,7 @@
           <a:p>
             <a:fld id="{1E1327A7-1338-42E3-A376-4DBDA53A9DB0}" type="datetimeFigureOut">
               <a:rPr lang="en-US" smtClean="0"/>
-              <a:t>12/31/19</a:t>
+              <a:t>1/9/20</a:t>
             </a:fld>
             <a:endParaRPr lang="en-US"/>
           </a:p>
@@ -2280,7 +2317,7 @@
           <a:p>
             <a:fld id="{1E1327A7-1338-42E3-A376-4DBDA53A9DB0}" type="datetimeFigureOut">
               <a:rPr lang="en-US" smtClean="0"/>
-              <a:t>12/31/19</a:t>
+              <a:t>1/9/20</a:t>
             </a:fld>
             <a:endParaRPr lang="en-US"/>
           </a:p>
@@ -2525,7 +2562,7 @@
           <a:p>
             <a:fld id="{1E1327A7-1338-42E3-A376-4DBDA53A9DB0}" type="datetimeFigureOut">
               <a:rPr lang="en-US" smtClean="0"/>
-              <a:t>12/31/19</a:t>
+              <a:t>1/9/20</a:t>
             </a:fld>
             <a:endParaRPr lang="en-US"/>
           </a:p>
@@ -2754,7 +2791,7 @@
           <a:p>
             <a:fld id="{1E1327A7-1338-42E3-A376-4DBDA53A9DB0}" type="datetimeFigureOut">
               <a:rPr lang="en-US" smtClean="0"/>
-              <a:t>12/31/19</a:t>
+              <a:t>1/9/20</a:t>
             </a:fld>
             <a:endParaRPr lang="en-US"/>
           </a:p>
@@ -3118,7 +3155,7 @@
           <a:p>
             <a:fld id="{1E1327A7-1338-42E3-A376-4DBDA53A9DB0}" type="datetimeFigureOut">
               <a:rPr lang="en-US" smtClean="0"/>
-              <a:t>12/31/19</a:t>
+              <a:t>1/9/20</a:t>
             </a:fld>
             <a:endParaRPr lang="en-US"/>
           </a:p>
@@ -3235,7 +3272,7 @@
           <a:p>
             <a:fld id="{1E1327A7-1338-42E3-A376-4DBDA53A9DB0}" type="datetimeFigureOut">
               <a:rPr lang="en-US" smtClean="0"/>
-              <a:t>12/31/19</a:t>
+              <a:t>1/9/20</a:t>
             </a:fld>
             <a:endParaRPr lang="en-US"/>
           </a:p>
@@ -3330,7 +3367,7 @@
           <a:p>
             <a:fld id="{1E1327A7-1338-42E3-A376-4DBDA53A9DB0}" type="datetimeFigureOut">
               <a:rPr lang="en-US" smtClean="0"/>
-              <a:t>12/31/19</a:t>
+              <a:t>1/9/20</a:t>
             </a:fld>
             <a:endParaRPr lang="en-US"/>
           </a:p>
@@ -3605,7 +3642,7 @@
           <a:p>
             <a:fld id="{1E1327A7-1338-42E3-A376-4DBDA53A9DB0}" type="datetimeFigureOut">
               <a:rPr lang="en-US" smtClean="0"/>
-              <a:t>12/31/19</a:t>
+              <a:t>1/9/20</a:t>
             </a:fld>
             <a:endParaRPr lang="en-US"/>
           </a:p>
@@ -3857,7 +3894,7 @@
           <a:p>
             <a:fld id="{1E1327A7-1338-42E3-A376-4DBDA53A9DB0}" type="datetimeFigureOut">
               <a:rPr lang="en-US" smtClean="0"/>
-              <a:t>12/31/19</a:t>
+              <a:t>1/9/20</a:t>
             </a:fld>
             <a:endParaRPr lang="en-US"/>
           </a:p>
@@ -4068,7 +4105,7 @@
           <a:p>
             <a:fld id="{1E1327A7-1338-42E3-A376-4DBDA53A9DB0}" type="datetimeFigureOut">
               <a:rPr lang="en-US" smtClean="0"/>
-              <a:t>12/31/19</a:t>
+              <a:t>1/9/20</a:t>
             </a:fld>
             <a:endParaRPr lang="en-US"/>
           </a:p>
@@ -4561,7 +4598,13 @@
       </p:grpSpPr>
       <p:sp>
         <p:nvSpPr>
-          <p:cNvPr id="4" name="Title 3"/>
+          <p:cNvPr id="2" name="Title 1">
+            <a:extLst>
+              <a:ext uri="{FF2B5EF4-FFF2-40B4-BE49-F238E27FC236}">
+                <a16:creationId xmlns:a16="http://schemas.microsoft.com/office/drawing/2014/main" id="{105FBB87-B051-5A4B-84E6-74A482ACE71C}"/>
+              </a:ext>
+            </a:extLst>
+          </p:cNvPr>
           <p:cNvSpPr>
             <a:spLocks noGrp="1"/>
           </p:cNvSpPr>
@@ -4575,24 +4618,26 @@
           <a:lstStyle/>
           <a:p>
             <a:r>
-              <a:rPr lang="en-US" dirty="0" err="1"/>
-              <a:t>REpresentational</a:t>
-            </a:r>
-            <a:r>
               <a:rPr lang="en-US" dirty="0"/>
-              <a:t> State Transfer</a:t>
-            </a:r>
-          </a:p>
-        </p:txBody>
-      </p:sp>
-      <p:sp>
-        <p:nvSpPr>
-          <p:cNvPr id="5" name="Text Placeholder 4"/>
-          <p:cNvSpPr>
-            <a:spLocks noGrp="1"/>
-          </p:cNvSpPr>
-          <p:nvPr>
-            <p:ph type="body" idx="1"/>
+              <a:t>REST, as explained by Fielding</a:t>
+            </a:r>
+          </a:p>
+        </p:txBody>
+      </p:sp>
+      <p:sp>
+        <p:nvSpPr>
+          <p:cNvPr id="3" name="Content Placeholder 2">
+            <a:extLst>
+              <a:ext uri="{FF2B5EF4-FFF2-40B4-BE49-F238E27FC236}">
+                <a16:creationId xmlns:a16="http://schemas.microsoft.com/office/drawing/2014/main" id="{7E7B3115-14D7-2446-BAE4-4CE4218FAF91}"/>
+              </a:ext>
+            </a:extLst>
+          </p:cNvPr>
+          <p:cNvSpPr>
+            <a:spLocks noGrp="1"/>
+          </p:cNvSpPr>
+          <p:nvPr>
+            <p:ph idx="1"/>
           </p:nvPr>
         </p:nvSpPr>
         <p:spPr/>
@@ -4600,9 +4645,48 @@
           <a:bodyPr/>
           <a:lstStyle/>
           <a:p>
+            <a:pPr marL="0" indent="0">
+              <a:buNone/>
+            </a:pPr>
             <a:r>
               <a:rPr lang="en-US" dirty="0"/>
-              <a:t>Let’s talk about REST</a:t>
+              <a:t>Fielding applies what to the styles when deriving REST?</a:t>
+            </a:r>
+          </a:p>
+          <a:p>
+            <a:pPr marL="0" indent="0">
+              <a:buNone/>
+            </a:pPr>
+            <a:r>
+              <a:rPr lang="en-US" dirty="0"/>
+              <a:t>What are the various styles through which REST is derived?</a:t>
+            </a:r>
+          </a:p>
+          <a:p>
+            <a:pPr marL="0" indent="0">
+              <a:buNone/>
+            </a:pPr>
+            <a:r>
+              <a:rPr lang="en-US" dirty="0"/>
+              <a:t>What properties are induced by the various styles?</a:t>
+            </a:r>
+          </a:p>
+          <a:p>
+            <a:pPr marL="0" indent="0">
+              <a:buNone/>
+            </a:pPr>
+            <a:r>
+              <a:rPr lang="en-US" dirty="0"/>
+              <a:t>Which style induces the property of substrate independence?</a:t>
+            </a:r>
+          </a:p>
+          <a:p>
+            <a:pPr marL="0" indent="0">
+              <a:buNone/>
+            </a:pPr>
+            <a:r>
+              <a:rPr lang="en-US" dirty="0"/>
+              <a:t>Which constraint is optional in REST (and what does that mean)?</a:t>
             </a:r>
           </a:p>
         </p:txBody>
@@ -4610,7 +4694,7 @@
     </p:spTree>
     <p:extLst>
       <p:ext uri="{BB962C8B-B14F-4D97-AF65-F5344CB8AC3E}">
-        <p14:creationId xmlns:p14="http://schemas.microsoft.com/office/powerpoint/2010/main" val="2579962451"/>
+        <p14:creationId xmlns:p14="http://schemas.microsoft.com/office/powerpoint/2010/main" val="739034310"/>
       </p:ext>
     </p:extLst>
   </p:cSld>
@@ -4653,20 +4737,24 @@
           <a:lstStyle/>
           <a:p>
             <a:r>
+              <a:rPr lang="en-US" dirty="0" err="1"/>
+              <a:t>REpresentational</a:t>
+            </a:r>
+            <a:r>
               <a:rPr lang="en-US" dirty="0"/>
-              <a:t>What is or isn’t REST</a:t>
-            </a:r>
-          </a:p>
-        </p:txBody>
-      </p:sp>
-      <p:sp>
-        <p:nvSpPr>
-          <p:cNvPr id="5" name="Content Placeholder 4"/>
-          <p:cNvSpPr>
-            <a:spLocks noGrp="1"/>
-          </p:cNvSpPr>
-          <p:nvPr>
-            <p:ph idx="1"/>
+              <a:t> State Transfer</a:t>
+            </a:r>
+          </a:p>
+        </p:txBody>
+      </p:sp>
+      <p:sp>
+        <p:nvSpPr>
+          <p:cNvPr id="5" name="Text Placeholder 4"/>
+          <p:cNvSpPr>
+            <a:spLocks noGrp="1"/>
+          </p:cNvSpPr>
+          <p:nvPr>
+            <p:ph type="body" idx="1"/>
           </p:nvPr>
         </p:nvSpPr>
         <p:spPr/>
@@ -4674,78 +4762,17 @@
           <a:bodyPr/>
           <a:lstStyle/>
           <a:p>
-            <a:pPr marL="0" indent="0">
-              <a:buNone/>
-            </a:pPr>
             <a:r>
               <a:rPr lang="en-US" dirty="0"/>
-              <a:t>Representational state transfer</a:t>
-            </a:r>
-          </a:p>
-          <a:p>
-            <a:pPr marL="0" indent="0">
-              <a:buNone/>
-            </a:pPr>
-            <a:r>
-              <a:rPr lang="en-US" dirty="0"/>
-              <a:t>REST is not a protocol, it’s an architectural </a:t>
-            </a:r>
-            <a:r>
-              <a:rPr lang="en-US" i="1" dirty="0"/>
-              <a:t>style</a:t>
-            </a:r>
-          </a:p>
-          <a:p>
-            <a:pPr marL="0" indent="0">
-              <a:buNone/>
-            </a:pPr>
-            <a:r>
-              <a:rPr lang="en-US" dirty="0"/>
-              <a:t>Defined in 2000 by Roy Fielding</a:t>
-            </a:r>
-          </a:p>
-          <a:p>
-            <a:pPr marL="457200" lvl="1" indent="0">
-              <a:buNone/>
-            </a:pPr>
-            <a:r>
-              <a:rPr lang="en-US" sz="2000" dirty="0">
-                <a:hlinkClick r:id="rId3"/>
-              </a:rPr>
-              <a:t>http://www.ics.uci.edu/~fielding/pubs/dissertation/top.htm</a:t>
-            </a:r>
-            <a:endParaRPr lang="en-US" dirty="0"/>
-          </a:p>
-          <a:p>
-            <a:pPr marL="0" indent="0">
-              <a:buNone/>
-            </a:pPr>
-            <a:r>
-              <a:rPr lang="en-US" dirty="0"/>
-              <a:t>Hypermedia as the Engine of Application State (HATEOAS)</a:t>
-            </a:r>
-          </a:p>
-          <a:p>
-            <a:pPr marL="0" indent="0">
-              <a:buNone/>
-            </a:pPr>
-            <a:r>
-              <a:rPr lang="en-US" dirty="0"/>
-              <a:t>There is no “standard” REST</a:t>
-            </a:r>
-          </a:p>
-          <a:p>
-            <a:pPr marL="0" indent="0">
-              <a:buNone/>
-            </a:pPr>
-            <a:endParaRPr lang="en-US" dirty="0"/>
+              <a:t>Let’s talk about REST</a:t>
+            </a:r>
           </a:p>
         </p:txBody>
       </p:sp>
     </p:spTree>
     <p:extLst>
       <p:ext uri="{BB962C8B-B14F-4D97-AF65-F5344CB8AC3E}">
-        <p14:creationId xmlns:p14="http://schemas.microsoft.com/office/powerpoint/2010/main" val="3614241725"/>
+        <p14:creationId xmlns:p14="http://schemas.microsoft.com/office/powerpoint/2010/main" val="2579962451"/>
       </p:ext>
     </p:extLst>
   </p:cSld>
@@ -4774,7 +4801,7 @@
       </p:grpSpPr>
       <p:sp>
         <p:nvSpPr>
-          <p:cNvPr id="2" name="Title 1"/>
+          <p:cNvPr id="4" name="Title 3"/>
           <p:cNvSpPr>
             <a:spLocks noGrp="1"/>
           </p:cNvSpPr>
@@ -4789,14 +4816,14 @@
           <a:p>
             <a:r>
               <a:rPr lang="en-US" dirty="0"/>
-              <a:t>Architectural properties of interest</a:t>
-            </a:r>
-          </a:p>
-        </p:txBody>
-      </p:sp>
-      <p:sp>
-        <p:nvSpPr>
-          <p:cNvPr id="3" name="Content Placeholder 2"/>
+              <a:t>What is or isn’t REST</a:t>
+            </a:r>
+          </a:p>
+        </p:txBody>
+      </p:sp>
+      <p:sp>
+        <p:nvSpPr>
+          <p:cNvPr id="5" name="Content Placeholder 4"/>
           <p:cNvSpPr>
             <a:spLocks noGrp="1"/>
           </p:cNvSpPr>
@@ -4814,7 +4841,7 @@
             </a:pPr>
             <a:r>
               <a:rPr lang="en-US" dirty="0"/>
-              <a:t>Performance</a:t>
+              <a:t>Representational state transfer</a:t>
             </a:r>
           </a:p>
           <a:p>
@@ -4823,7 +4850,11 @@
             </a:pPr>
             <a:r>
               <a:rPr lang="en-US" dirty="0"/>
-              <a:t>Scalability</a:t>
+              <a:t>REST is not a protocol, it’s an architectural </a:t>
+            </a:r>
+            <a:r>
+              <a:rPr lang="en-US" i="1" dirty="0"/>
+              <a:t>style</a:t>
             </a:r>
           </a:p>
           <a:p>
@@ -4832,8 +4863,20 @@
             </a:pPr>
             <a:r>
               <a:rPr lang="en-US" dirty="0"/>
-              <a:t>Simplicity of interfaces</a:t>
-            </a:r>
+              <a:t>Defined in 2000 by Roy Fielding</a:t>
+            </a:r>
+          </a:p>
+          <a:p>
+            <a:pPr marL="457200" lvl="1" indent="0">
+              <a:buNone/>
+            </a:pPr>
+            <a:r>
+              <a:rPr lang="en-US" sz="2000" dirty="0">
+                <a:hlinkClick r:id="rId3"/>
+              </a:rPr>
+              <a:t>http://www.ics.uci.edu/~fielding/pubs/dissertation/top.htm</a:t>
+            </a:r>
+            <a:endParaRPr lang="en-US" dirty="0"/>
           </a:p>
           <a:p>
             <a:pPr marL="0" indent="0">
@@ -4841,7 +4884,7 @@
             </a:pPr>
             <a:r>
               <a:rPr lang="en-US" dirty="0"/>
-              <a:t>Modifiability of components</a:t>
+              <a:t>Hypermedia as the Engine of Application State (HATEOAS)</a:t>
             </a:r>
           </a:p>
           <a:p>
@@ -4850,33 +4893,21 @@
             </a:pPr>
             <a:r>
               <a:rPr lang="en-US" dirty="0"/>
-              <a:t>Visibility of communications</a:t>
+              <a:t>There is no “standard” REST</a:t>
             </a:r>
           </a:p>
           <a:p>
             <a:pPr marL="0" indent="0">
               <a:buNone/>
             </a:pPr>
-            <a:r>
-              <a:rPr lang="en-US" dirty="0"/>
-              <a:t>Portability of deployment</a:t>
-            </a:r>
-          </a:p>
-          <a:p>
-            <a:pPr marL="0" indent="0">
-              <a:buNone/>
-            </a:pPr>
-            <a:r>
-              <a:rPr lang="en-US" dirty="0"/>
-              <a:t>Reliability</a:t>
-            </a:r>
+            <a:endParaRPr lang="en-US" dirty="0"/>
           </a:p>
         </p:txBody>
       </p:sp>
     </p:spTree>
     <p:extLst>
       <p:ext uri="{BB962C8B-B14F-4D97-AF65-F5344CB8AC3E}">
-        <p14:creationId xmlns:p14="http://schemas.microsoft.com/office/powerpoint/2010/main" val="1061619602"/>
+        <p14:creationId xmlns:p14="http://schemas.microsoft.com/office/powerpoint/2010/main" val="3614241725"/>
       </p:ext>
     </p:extLst>
   </p:cSld>
@@ -4920,7 +4951,7 @@
           <a:p>
             <a:r>
               <a:rPr lang="en-US" dirty="0"/>
-              <a:t>Deriving REST as an architectural style</a:t>
+              <a:t>Architectural properties of interest</a:t>
             </a:r>
           </a:p>
         </p:txBody>
@@ -4945,7 +4976,7 @@
             </a:pPr>
             <a:r>
               <a:rPr lang="en-US" dirty="0"/>
-              <a:t>Start with the NULL style</a:t>
+              <a:t>Performance</a:t>
             </a:r>
           </a:p>
           <a:p>
@@ -4954,7 +4985,7 @@
             </a:pPr>
             <a:r>
               <a:rPr lang="en-US" dirty="0"/>
-              <a:t>Client-server</a:t>
+              <a:t>Scalability</a:t>
             </a:r>
           </a:p>
           <a:p>
@@ -4963,7 +4994,7 @@
             </a:pPr>
             <a:r>
               <a:rPr lang="en-US" dirty="0"/>
-              <a:t>Stateless</a:t>
+              <a:t>Simplicity of interfaces</a:t>
             </a:r>
           </a:p>
           <a:p>
@@ -4972,7 +5003,7 @@
             </a:pPr>
             <a:r>
               <a:rPr lang="en-US" dirty="0"/>
-              <a:t>Cacheable</a:t>
+              <a:t>Modifiability of components</a:t>
             </a:r>
           </a:p>
           <a:p>
@@ -4981,7 +5012,7 @@
             </a:pPr>
             <a:r>
               <a:rPr lang="en-US" dirty="0"/>
-              <a:t>Layered</a:t>
+              <a:t>Visibility of communications</a:t>
             </a:r>
           </a:p>
           <a:p>
@@ -4990,7 +5021,7 @@
             </a:pPr>
             <a:r>
               <a:rPr lang="en-US" dirty="0"/>
-              <a:t>Uniform interface</a:t>
+              <a:t>Portability of deployment</a:t>
             </a:r>
           </a:p>
           <a:p>
@@ -4999,7 +5030,7 @@
             </a:pPr>
             <a:r>
               <a:rPr lang="en-US" dirty="0"/>
-              <a:t>Code on demand</a:t>
+              <a:t>Reliability</a:t>
             </a:r>
           </a:p>
         </p:txBody>
@@ -5007,7 +5038,7 @@
     </p:spTree>
     <p:extLst>
       <p:ext uri="{BB962C8B-B14F-4D97-AF65-F5344CB8AC3E}">
-        <p14:creationId xmlns:p14="http://schemas.microsoft.com/office/powerpoint/2010/main" val="2596698127"/>
+        <p14:creationId xmlns:p14="http://schemas.microsoft.com/office/powerpoint/2010/main" val="1061619602"/>
       </p:ext>
     </p:extLst>
   </p:cSld>
@@ -5036,13 +5067,7 @@
       </p:grpSpPr>
       <p:sp>
         <p:nvSpPr>
-          <p:cNvPr id="2" name="Title 1">
-            <a:extLst>
-              <a:ext uri="{FF2B5EF4-FFF2-40B4-BE49-F238E27FC236}">
-                <a16:creationId xmlns:a16="http://schemas.microsoft.com/office/drawing/2014/main" id="{105FBB87-B051-5A4B-84E6-74A482ACE71C}"/>
-              </a:ext>
-            </a:extLst>
-          </p:cNvPr>
+          <p:cNvPr id="2" name="Title 1"/>
           <p:cNvSpPr>
             <a:spLocks noGrp="1"/>
           </p:cNvSpPr>
@@ -5057,20 +5082,14 @@
           <a:p>
             <a:r>
               <a:rPr lang="en-US" dirty="0"/>
-              <a:t>REST, as explained by Fielding</a:t>
-            </a:r>
-          </a:p>
-        </p:txBody>
-      </p:sp>
-      <p:sp>
-        <p:nvSpPr>
-          <p:cNvPr id="3" name="Content Placeholder 2">
-            <a:extLst>
-              <a:ext uri="{FF2B5EF4-FFF2-40B4-BE49-F238E27FC236}">
-                <a16:creationId xmlns:a16="http://schemas.microsoft.com/office/drawing/2014/main" id="{7E7B3115-14D7-2446-BAE4-4CE4218FAF91}"/>
-              </a:ext>
-            </a:extLst>
-          </p:cNvPr>
+              <a:t>Deriving REST as an architectural style</a:t>
+            </a:r>
+          </a:p>
+        </p:txBody>
+      </p:sp>
+      <p:sp>
+        <p:nvSpPr>
+          <p:cNvPr id="3" name="Content Placeholder 2"/>
           <p:cNvSpPr>
             <a:spLocks noGrp="1"/>
           </p:cNvSpPr>
@@ -5088,7 +5107,7 @@
             </a:pPr>
             <a:r>
               <a:rPr lang="en-US" dirty="0"/>
-              <a:t>Fielding applies what to the styles when deriving REST?</a:t>
+              <a:t>Start with the NULL style</a:t>
             </a:r>
           </a:p>
           <a:p>
@@ -5097,7 +5116,7 @@
             </a:pPr>
             <a:r>
               <a:rPr lang="en-US" dirty="0"/>
-              <a:t>What are the various styles through which REST is derived?</a:t>
+              <a:t>Client-server</a:t>
             </a:r>
           </a:p>
           <a:p>
@@ -5106,7 +5125,7 @@
             </a:pPr>
             <a:r>
               <a:rPr lang="en-US" dirty="0"/>
-              <a:t>What properties are induced by the various styles?</a:t>
+              <a:t>Stateless</a:t>
             </a:r>
           </a:p>
           <a:p>
@@ -5115,7 +5134,7 @@
             </a:pPr>
             <a:r>
               <a:rPr lang="en-US" dirty="0"/>
-              <a:t>Which style induces the property of substrate independence?</a:t>
+              <a:t>Cacheable</a:t>
             </a:r>
           </a:p>
           <a:p>
@@ -5124,7 +5143,25 @@
             </a:pPr>
             <a:r>
               <a:rPr lang="en-US" dirty="0"/>
-              <a:t>Which constraint is optional in REST (and what does that mean)?</a:t>
+              <a:t>Uniform interface</a:t>
+            </a:r>
+          </a:p>
+          <a:p>
+            <a:pPr marL="0" indent="0">
+              <a:buNone/>
+            </a:pPr>
+            <a:r>
+              <a:rPr lang="en-US" dirty="0"/>
+              <a:t>Layered</a:t>
+            </a:r>
+          </a:p>
+          <a:p>
+            <a:pPr marL="0" indent="0">
+              <a:buNone/>
+            </a:pPr>
+            <a:r>
+              <a:rPr lang="en-US" dirty="0"/>
+              <a:t>Code on demand</a:t>
             </a:r>
           </a:p>
         </p:txBody>
@@ -5132,7 +5169,7 @@
     </p:spTree>
     <p:extLst>
       <p:ext uri="{BB962C8B-B14F-4D97-AF65-F5344CB8AC3E}">
-        <p14:creationId xmlns:p14="http://schemas.microsoft.com/office/powerpoint/2010/main" val="1922912892"/>
+        <p14:creationId xmlns:p14="http://schemas.microsoft.com/office/powerpoint/2010/main" val="2596698127"/>
       </p:ext>
     </p:extLst>
   </p:cSld>
